--- a/Amőba játék.pptx
+++ b/Amőba játék.pptx
@@ -12,6 +12,14 @@
     <p:sldId id="260" r:id="rId6"/>
     <p:sldId id="261" r:id="rId7"/>
     <p:sldId id="262" r:id="rId8"/>
+    <p:sldId id="263" r:id="rId9"/>
+    <p:sldId id="264" r:id="rId10"/>
+    <p:sldId id="265" r:id="rId11"/>
+    <p:sldId id="266" r:id="rId12"/>
+    <p:sldId id="267" r:id="rId13"/>
+    <p:sldId id="268" r:id="rId14"/>
+    <p:sldId id="269" r:id="rId15"/>
+    <p:sldId id="270" r:id="rId16"/>
   </p:sldIdLst>
   <p:sldSz cx="12192000" cy="6858000"/>
   <p:notesSz cx="6858000" cy="9144000"/>
@@ -110,6 +118,11 @@
       </a:defRPr>
     </a:lvl9pPr>
   </p:defaultTextStyle>
+  <p:extLst>
+    <p:ext uri="{EFAFB233-063F-42B5-8137-9DF3F51BA10A}">
+      <p15:sldGuideLst xmlns:p15="http://schemas.microsoft.com/office/powerpoint/2012/main"/>
+    </p:ext>
+  </p:extLst>
 </p:presentation>
 </file>
 
@@ -283,7 +296,7 @@
           <a:p>
             <a:fld id="{48A87A34-81AB-432B-8DAE-1953F412C126}" type="datetimeFigureOut">
               <a:rPr lang="en-US" dirty="0"/>
-              <a:t>1/10/2025</a:t>
+              <a:t>1/12/2025</a:t>
             </a:fld>
             <a:endParaRPr lang="en-US" dirty="0"/>
           </a:p>
@@ -545,7 +558,7 @@
           <a:p>
             <a:fld id="{48A87A34-81AB-432B-8DAE-1953F412C126}" type="datetimeFigureOut">
               <a:rPr lang="en-US" dirty="0"/>
-              <a:t>1/10/2025</a:t>
+              <a:t>1/12/2025</a:t>
             </a:fld>
             <a:endParaRPr lang="en-US" dirty="0"/>
           </a:p>
@@ -772,7 +785,7 @@
             <a:fld id="{48A87A34-81AB-432B-8DAE-1953F412C126}" type="datetimeFigureOut">
               <a:rPr lang="en-US" dirty="0"/>
               <a:pPr/>
-              <a:t>1/10/2025</a:t>
+              <a:t>1/12/2025</a:t>
             </a:fld>
             <a:endParaRPr lang="en-US" dirty="0"/>
           </a:p>
@@ -1078,7 +1091,7 @@
             <a:fld id="{48A87A34-81AB-432B-8DAE-1953F412C126}" type="datetimeFigureOut">
               <a:rPr lang="en-US" dirty="0"/>
               <a:pPr/>
-              <a:t>1/10/2025</a:t>
+              <a:t>1/12/2025</a:t>
             </a:fld>
             <a:endParaRPr lang="en-US" dirty="0"/>
           </a:p>
@@ -1547,7 +1560,7 @@
             <a:fld id="{48A87A34-81AB-432B-8DAE-1953F412C126}" type="datetimeFigureOut">
               <a:rPr lang="en-US" dirty="0"/>
               <a:pPr/>
-              <a:t>1/10/2025</a:t>
+              <a:t>1/12/2025</a:t>
             </a:fld>
             <a:endParaRPr lang="en-US" dirty="0"/>
           </a:p>
@@ -2089,7 +2102,7 @@
           <a:p>
             <a:fld id="{48A87A34-81AB-432B-8DAE-1953F412C126}" type="datetimeFigureOut">
               <a:rPr lang="en-US" dirty="0"/>
-              <a:t>1/10/2025</a:t>
+              <a:t>1/12/2025</a:t>
             </a:fld>
             <a:endParaRPr lang="en-US" dirty="0"/>
           </a:p>
@@ -2858,7 +2871,7 @@
           <a:p>
             <a:fld id="{48A87A34-81AB-432B-8DAE-1953F412C126}" type="datetimeFigureOut">
               <a:rPr lang="en-US" dirty="0"/>
-              <a:t>1/10/2025</a:t>
+              <a:t>1/12/2025</a:t>
             </a:fld>
             <a:endParaRPr lang="en-US" dirty="0"/>
           </a:p>
@@ -3028,7 +3041,7 @@
           <a:p>
             <a:fld id="{48A87A34-81AB-432B-8DAE-1953F412C126}" type="datetimeFigureOut">
               <a:rPr lang="en-US" dirty="0"/>
-              <a:t>1/10/2025</a:t>
+              <a:t>1/12/2025</a:t>
             </a:fld>
             <a:endParaRPr lang="en-US" dirty="0"/>
           </a:p>
@@ -3247,7 +3260,7 @@
             <a:fld id="{48A87A34-81AB-432B-8DAE-1953F412C126}" type="datetimeFigureOut">
               <a:rPr lang="en-US" dirty="0"/>
               <a:pPr/>
-              <a:t>1/10/2025</a:t>
+              <a:t>1/12/2025</a:t>
             </a:fld>
             <a:endParaRPr lang="en-US" dirty="0"/>
           </a:p>
@@ -3422,7 +3435,7 @@
           <a:p>
             <a:fld id="{48A87A34-81AB-432B-8DAE-1953F412C126}" type="datetimeFigureOut">
               <a:rPr lang="en-US" dirty="0"/>
-              <a:t>1/10/2025</a:t>
+              <a:t>1/12/2025</a:t>
             </a:fld>
             <a:endParaRPr lang="en-US" dirty="0"/>
           </a:p>
@@ -3707,7 +3720,7 @@
             <a:fld id="{48A87A34-81AB-432B-8DAE-1953F412C126}" type="datetimeFigureOut">
               <a:rPr lang="en-US" dirty="0"/>
               <a:pPr/>
-              <a:t>1/10/2025</a:t>
+              <a:t>1/12/2025</a:t>
             </a:fld>
             <a:endParaRPr lang="en-US" dirty="0"/>
           </a:p>
@@ -3944,7 +3957,7 @@
           <a:p>
             <a:fld id="{48A87A34-81AB-432B-8DAE-1953F412C126}" type="datetimeFigureOut">
               <a:rPr lang="en-US" dirty="0"/>
-              <a:t>1/10/2025</a:t>
+              <a:t>1/12/2025</a:t>
             </a:fld>
             <a:endParaRPr lang="en-US" dirty="0"/>
           </a:p>
@@ -4318,7 +4331,7 @@
           <a:p>
             <a:fld id="{48A87A34-81AB-432B-8DAE-1953F412C126}" type="datetimeFigureOut">
               <a:rPr lang="en-US" dirty="0"/>
-              <a:t>1/10/2025</a:t>
+              <a:t>1/12/2025</a:t>
             </a:fld>
             <a:endParaRPr lang="en-US" dirty="0"/>
           </a:p>
@@ -4431,7 +4444,7 @@
           <a:p>
             <a:fld id="{48A87A34-81AB-432B-8DAE-1953F412C126}" type="datetimeFigureOut">
               <a:rPr lang="en-US" dirty="0"/>
-              <a:t>1/10/2025</a:t>
+              <a:t>1/12/2025</a:t>
             </a:fld>
             <a:endParaRPr lang="en-US" dirty="0"/>
           </a:p>
@@ -4521,7 +4534,7 @@
           <a:p>
             <a:fld id="{48A87A34-81AB-432B-8DAE-1953F412C126}" type="datetimeFigureOut">
               <a:rPr lang="en-US" dirty="0"/>
-              <a:t>1/10/2025</a:t>
+              <a:t>1/12/2025</a:t>
             </a:fld>
             <a:endParaRPr lang="en-US" dirty="0"/>
           </a:p>
@@ -4765,7 +4778,7 @@
           <a:p>
             <a:fld id="{48A87A34-81AB-432B-8DAE-1953F412C126}" type="datetimeFigureOut">
               <a:rPr lang="en-US" dirty="0"/>
-              <a:t>1/10/2025</a:t>
+              <a:t>1/12/2025</a:t>
             </a:fld>
             <a:endParaRPr lang="en-US" dirty="0"/>
           </a:p>
@@ -5017,7 +5030,7 @@
           <a:p>
             <a:fld id="{48A87A34-81AB-432B-8DAE-1953F412C126}" type="datetimeFigureOut">
               <a:rPr lang="en-US" dirty="0"/>
-              <a:t>1/10/2025</a:t>
+              <a:t>1/12/2025</a:t>
             </a:fld>
             <a:endParaRPr lang="en-US" dirty="0"/>
           </a:p>
@@ -5256,7 +5269,7 @@
             <a:fld id="{48A87A34-81AB-432B-8DAE-1953F412C126}" type="datetimeFigureOut">
               <a:rPr lang="en-US" dirty="0"/>
               <a:pPr/>
-              <a:t>1/10/2025</a:t>
+              <a:t>1/12/2025</a:t>
             </a:fld>
             <a:endParaRPr lang="en-US" dirty="0"/>
           </a:p>
@@ -5732,6 +5745,593 @@
 </p:sld>
 </file>
 
+<file path=ppt/slides/slide10.xml><?xml version="1.0" encoding="utf-8"?>
+<p:sld xmlns:a="http://schemas.openxmlformats.org/drawingml/2006/main" xmlns:r="http://schemas.openxmlformats.org/officeDocument/2006/relationships" xmlns:p="http://schemas.openxmlformats.org/presentationml/2006/main">
+  <p:cSld>
+    <p:spTree>
+      <p:nvGrpSpPr>
+        <p:cNvPr id="1" name=""/>
+        <p:cNvGrpSpPr/>
+        <p:nvPr/>
+      </p:nvGrpSpPr>
+      <p:grpSpPr>
+        <a:xfrm>
+          <a:off x="0" y="0"/>
+          <a:ext cx="0" cy="0"/>
+          <a:chOff x="0" y="0"/>
+          <a:chExt cx="0" cy="0"/>
+        </a:xfrm>
+      </p:grpSpPr>
+      <p:sp>
+        <p:nvSpPr>
+          <p:cNvPr id="2" name="Cím 1">
+            <a:extLst>
+              <a:ext uri="{FF2B5EF4-FFF2-40B4-BE49-F238E27FC236}">
+                <a16:creationId xmlns:a16="http://schemas.microsoft.com/office/drawing/2014/main" id="{DB4F1875-D0FE-E84E-2BB8-092A44B357B6}"/>
+              </a:ext>
+            </a:extLst>
+          </p:cNvPr>
+          <p:cNvSpPr>
+            <a:spLocks noGrp="1"/>
+          </p:cNvSpPr>
+          <p:nvPr>
+            <p:ph type="title"/>
+          </p:nvPr>
+        </p:nvSpPr>
+        <p:spPr/>
+        <p:txBody>
+          <a:bodyPr/>
+          <a:lstStyle/>
+          <a:p>
+            <a:r>
+              <a:rPr lang="hu-HU" dirty="0"/>
+              <a:t>Miben fejlődtem</a:t>
+            </a:r>
+          </a:p>
+        </p:txBody>
+      </p:sp>
+      <p:sp>
+        <p:nvSpPr>
+          <p:cNvPr id="3" name="Tartalom helye 2">
+            <a:extLst>
+              <a:ext uri="{FF2B5EF4-FFF2-40B4-BE49-F238E27FC236}">
+                <a16:creationId xmlns:a16="http://schemas.microsoft.com/office/drawing/2014/main" id="{58632DB6-8F66-F42B-4CB8-E1632CA39212}"/>
+              </a:ext>
+            </a:extLst>
+          </p:cNvPr>
+          <p:cNvSpPr>
+            <a:spLocks noGrp="1"/>
+          </p:cNvSpPr>
+          <p:nvPr>
+            <p:ph idx="1"/>
+          </p:nvPr>
+        </p:nvSpPr>
+        <p:spPr/>
+        <p:txBody>
+          <a:bodyPr>
+            <a:normAutofit/>
+          </a:bodyPr>
+          <a:lstStyle/>
+          <a:p>
+            <a:r>
+              <a:rPr lang="hu-HU" sz="4000" dirty="0"/>
+              <a:t>Szabó József Barnabás:</a:t>
+            </a:r>
+          </a:p>
+          <a:p>
+            <a:pPr lvl="2"/>
+            <a:r>
+              <a:rPr lang="hu-HU" sz="3600" dirty="0"/>
+              <a:t>Csapatmunka</a:t>
+            </a:r>
+          </a:p>
+          <a:p>
+            <a:pPr lvl="2"/>
+            <a:r>
+              <a:rPr lang="hu-HU" sz="3600" dirty="0"/>
+              <a:t>Logikus gondolkozás</a:t>
+            </a:r>
+          </a:p>
+        </p:txBody>
+      </p:sp>
+    </p:spTree>
+    <p:extLst>
+      <p:ext uri="{BB962C8B-B14F-4D97-AF65-F5344CB8AC3E}">
+        <p14:creationId xmlns:p14="http://schemas.microsoft.com/office/powerpoint/2010/main" val="3272852722"/>
+      </p:ext>
+    </p:extLst>
+  </p:cSld>
+  <p:clrMapOvr>
+    <a:masterClrMapping/>
+  </p:clrMapOvr>
+</p:sld>
+</file>
+
+<file path=ppt/slides/slide11.xml><?xml version="1.0" encoding="utf-8"?>
+<p:sld xmlns:a="http://schemas.openxmlformats.org/drawingml/2006/main" xmlns:r="http://schemas.openxmlformats.org/officeDocument/2006/relationships" xmlns:p="http://schemas.openxmlformats.org/presentationml/2006/main">
+  <p:cSld>
+    <p:spTree>
+      <p:nvGrpSpPr>
+        <p:cNvPr id="1" name=""/>
+        <p:cNvGrpSpPr/>
+        <p:nvPr/>
+      </p:nvGrpSpPr>
+      <p:grpSpPr>
+        <a:xfrm>
+          <a:off x="0" y="0"/>
+          <a:ext cx="0" cy="0"/>
+          <a:chOff x="0" y="0"/>
+          <a:chExt cx="0" cy="0"/>
+        </a:xfrm>
+      </p:grpSpPr>
+      <p:sp>
+        <p:nvSpPr>
+          <p:cNvPr id="2" name="Cím 1">
+            <a:extLst>
+              <a:ext uri="{FF2B5EF4-FFF2-40B4-BE49-F238E27FC236}">
+                <a16:creationId xmlns:a16="http://schemas.microsoft.com/office/drawing/2014/main" id="{96D5E443-514B-766A-62B9-9DFDE817E646}"/>
+              </a:ext>
+            </a:extLst>
+          </p:cNvPr>
+          <p:cNvSpPr>
+            <a:spLocks noGrp="1"/>
+          </p:cNvSpPr>
+          <p:nvPr>
+            <p:ph type="title"/>
+          </p:nvPr>
+        </p:nvSpPr>
+        <p:spPr/>
+        <p:txBody>
+          <a:bodyPr/>
+          <a:lstStyle/>
+          <a:p>
+            <a:r>
+              <a:rPr lang="hu-HU" dirty="0"/>
+              <a:t>Mit csinálnék másképp</a:t>
+            </a:r>
+          </a:p>
+        </p:txBody>
+      </p:sp>
+      <p:sp>
+        <p:nvSpPr>
+          <p:cNvPr id="3" name="Tartalom helye 2">
+            <a:extLst>
+              <a:ext uri="{FF2B5EF4-FFF2-40B4-BE49-F238E27FC236}">
+                <a16:creationId xmlns:a16="http://schemas.microsoft.com/office/drawing/2014/main" id="{FBD713E2-DD31-9DD7-B4BB-B0F8D921A76A}"/>
+              </a:ext>
+            </a:extLst>
+          </p:cNvPr>
+          <p:cNvSpPr>
+            <a:spLocks noGrp="1"/>
+          </p:cNvSpPr>
+          <p:nvPr>
+            <p:ph idx="1"/>
+          </p:nvPr>
+        </p:nvSpPr>
+        <p:spPr/>
+        <p:txBody>
+          <a:bodyPr/>
+          <a:lstStyle/>
+          <a:p>
+            <a:r>
+              <a:rPr lang="hu-HU" dirty="0"/>
+              <a:t>Hártó Vince:</a:t>
+            </a:r>
+          </a:p>
+          <a:p>
+            <a:pPr lvl="1"/>
+            <a:r>
+              <a:rPr lang="hu-HU" dirty="0"/>
+              <a:t>Pálya színét lehessen változtatni egy extra gombbal, ami a pálya alatt helyezkedik el. Legyenek előre beállított színek és lehessen színkódokat is beírni a szín finomhangolásához.</a:t>
+            </a:r>
+          </a:p>
+          <a:p>
+            <a:pPr lvl="1"/>
+            <a:r>
+              <a:rPr lang="hu-HU" dirty="0"/>
+              <a:t>Hosszabb, részletesebb leírás a weblapon, hogy sokkal egyszerűbben megértsék a játékosok hogyan működik a játék.</a:t>
+            </a:r>
+          </a:p>
+          <a:p>
+            <a:pPr lvl="1"/>
+            <a:endParaRPr lang="hu-HU" dirty="0"/>
+          </a:p>
+        </p:txBody>
+      </p:sp>
+    </p:spTree>
+    <p:extLst>
+      <p:ext uri="{BB962C8B-B14F-4D97-AF65-F5344CB8AC3E}">
+        <p14:creationId xmlns:p14="http://schemas.microsoft.com/office/powerpoint/2010/main" val="1688967248"/>
+      </p:ext>
+    </p:extLst>
+  </p:cSld>
+  <p:clrMapOvr>
+    <a:masterClrMapping/>
+  </p:clrMapOvr>
+</p:sld>
+</file>
+
+<file path=ppt/slides/slide12.xml><?xml version="1.0" encoding="utf-8"?>
+<p:sld xmlns:a="http://schemas.openxmlformats.org/drawingml/2006/main" xmlns:r="http://schemas.openxmlformats.org/officeDocument/2006/relationships" xmlns:p="http://schemas.openxmlformats.org/presentationml/2006/main">
+  <p:cSld>
+    <p:spTree>
+      <p:nvGrpSpPr>
+        <p:cNvPr id="1" name=""/>
+        <p:cNvGrpSpPr/>
+        <p:nvPr/>
+      </p:nvGrpSpPr>
+      <p:grpSpPr>
+        <a:xfrm>
+          <a:off x="0" y="0"/>
+          <a:ext cx="0" cy="0"/>
+          <a:chOff x="0" y="0"/>
+          <a:chExt cx="0" cy="0"/>
+        </a:xfrm>
+      </p:grpSpPr>
+      <p:sp>
+        <p:nvSpPr>
+          <p:cNvPr id="2" name="Cím 1">
+            <a:extLst>
+              <a:ext uri="{FF2B5EF4-FFF2-40B4-BE49-F238E27FC236}">
+                <a16:creationId xmlns:a16="http://schemas.microsoft.com/office/drawing/2014/main" id="{2BCB8967-3FF1-C087-F111-60FF8940DD82}"/>
+              </a:ext>
+            </a:extLst>
+          </p:cNvPr>
+          <p:cNvSpPr>
+            <a:spLocks noGrp="1"/>
+          </p:cNvSpPr>
+          <p:nvPr>
+            <p:ph type="title"/>
+          </p:nvPr>
+        </p:nvSpPr>
+        <p:spPr/>
+        <p:txBody>
+          <a:bodyPr/>
+          <a:lstStyle/>
+          <a:p>
+            <a:r>
+              <a:rPr lang="hu-HU" dirty="0"/>
+              <a:t>Mit csinálnék másképp</a:t>
+            </a:r>
+          </a:p>
+        </p:txBody>
+      </p:sp>
+      <p:sp>
+        <p:nvSpPr>
+          <p:cNvPr id="3" name="Tartalom helye 2">
+            <a:extLst>
+              <a:ext uri="{FF2B5EF4-FFF2-40B4-BE49-F238E27FC236}">
+                <a16:creationId xmlns:a16="http://schemas.microsoft.com/office/drawing/2014/main" id="{7C4AFBDA-CF35-32C2-5AA0-316D4753E0EA}"/>
+              </a:ext>
+            </a:extLst>
+          </p:cNvPr>
+          <p:cNvSpPr>
+            <a:spLocks noGrp="1"/>
+          </p:cNvSpPr>
+          <p:nvPr>
+            <p:ph idx="1"/>
+          </p:nvPr>
+        </p:nvSpPr>
+        <p:spPr/>
+        <p:txBody>
+          <a:bodyPr/>
+          <a:lstStyle/>
+          <a:p>
+            <a:r>
+              <a:rPr lang="hu-HU" sz="2400" dirty="0"/>
+              <a:t>Szabó József Barnabás:</a:t>
+            </a:r>
+          </a:p>
+          <a:p>
+            <a:pPr lvl="2"/>
+            <a:r>
+              <a:rPr lang="hu-HU" sz="2000" dirty="0"/>
+              <a:t>Felhasználók létrehozása, hogy mindenkinek a leghosszabb nyerési szériáját el lehessen menteni egy táblázatba, ami géptől függ (számítógép váltásnál nem hordozhatóak a pontok)</a:t>
+            </a:r>
+          </a:p>
+          <a:p>
+            <a:pPr lvl="2"/>
+            <a:r>
+              <a:rPr lang="hu-HU" sz="2000" dirty="0"/>
+              <a:t>Figurákat tetszés szerint személyre lehessen szabni, például van egy előre beállított képméret és aki szeretne annak lehetősége van egy saját alakzat játékba helyezéséhez</a:t>
+            </a:r>
+          </a:p>
+          <a:p>
+            <a:pPr lvl="2"/>
+            <a:r>
+              <a:rPr lang="hu-HU" sz="2000" dirty="0"/>
+              <a:t>Prezentációba animációk beiktatása</a:t>
+            </a:r>
+          </a:p>
+          <a:p>
+            <a:pPr lvl="2"/>
+            <a:endParaRPr lang="hu-HU" sz="2000" dirty="0"/>
+          </a:p>
+          <a:p>
+            <a:endParaRPr lang="hu-HU" dirty="0"/>
+          </a:p>
+        </p:txBody>
+      </p:sp>
+    </p:spTree>
+    <p:extLst>
+      <p:ext uri="{BB962C8B-B14F-4D97-AF65-F5344CB8AC3E}">
+        <p14:creationId xmlns:p14="http://schemas.microsoft.com/office/powerpoint/2010/main" val="1319422242"/>
+      </p:ext>
+    </p:extLst>
+  </p:cSld>
+  <p:clrMapOvr>
+    <a:masterClrMapping/>
+  </p:clrMapOvr>
+</p:sld>
+</file>
+
+<file path=ppt/slides/slide13.xml><?xml version="1.0" encoding="utf-8"?>
+<p:sld xmlns:a="http://schemas.openxmlformats.org/drawingml/2006/main" xmlns:r="http://schemas.openxmlformats.org/officeDocument/2006/relationships" xmlns:p="http://schemas.openxmlformats.org/presentationml/2006/main">
+  <p:cSld>
+    <p:spTree>
+      <p:nvGrpSpPr>
+        <p:cNvPr id="1" name=""/>
+        <p:cNvGrpSpPr/>
+        <p:nvPr/>
+      </p:nvGrpSpPr>
+      <p:grpSpPr>
+        <a:xfrm>
+          <a:off x="0" y="0"/>
+          <a:ext cx="0" cy="0"/>
+          <a:chOff x="0" y="0"/>
+          <a:chExt cx="0" cy="0"/>
+        </a:xfrm>
+      </p:grpSpPr>
+      <p:sp>
+        <p:nvSpPr>
+          <p:cNvPr id="2" name="Cím 1">
+            <a:extLst>
+              <a:ext uri="{FF2B5EF4-FFF2-40B4-BE49-F238E27FC236}">
+                <a16:creationId xmlns:a16="http://schemas.microsoft.com/office/drawing/2014/main" id="{30B3F7C2-2C38-4EA0-A2C9-42DDE79CB6FE}"/>
+              </a:ext>
+            </a:extLst>
+          </p:cNvPr>
+          <p:cNvSpPr>
+            <a:spLocks noGrp="1"/>
+          </p:cNvSpPr>
+          <p:nvPr>
+            <p:ph type="title"/>
+          </p:nvPr>
+        </p:nvSpPr>
+        <p:spPr/>
+        <p:txBody>
+          <a:bodyPr/>
+          <a:lstStyle/>
+          <a:p>
+            <a:r>
+              <a:rPr lang="hu-HU" dirty="0"/>
+              <a:t>Önértékelés</a:t>
+            </a:r>
+          </a:p>
+        </p:txBody>
+      </p:sp>
+      <p:sp>
+        <p:nvSpPr>
+          <p:cNvPr id="3" name="Tartalom helye 2">
+            <a:extLst>
+              <a:ext uri="{FF2B5EF4-FFF2-40B4-BE49-F238E27FC236}">
+                <a16:creationId xmlns:a16="http://schemas.microsoft.com/office/drawing/2014/main" id="{E7F0D5E9-F0C7-56A8-DB97-D709105676A5}"/>
+              </a:ext>
+            </a:extLst>
+          </p:cNvPr>
+          <p:cNvSpPr>
+            <a:spLocks noGrp="1"/>
+          </p:cNvSpPr>
+          <p:nvPr>
+            <p:ph idx="1"/>
+          </p:nvPr>
+        </p:nvSpPr>
+        <p:spPr>
+          <a:xfrm>
+            <a:off x="685800" y="2194560"/>
+            <a:ext cx="6107723" cy="4024125"/>
+          </a:xfrm>
+        </p:spPr>
+        <p:txBody>
+          <a:bodyPr>
+            <a:normAutofit/>
+          </a:bodyPr>
+          <a:lstStyle/>
+          <a:p>
+            <a:pPr algn="l"/>
+            <a:r>
+              <a:rPr lang="hu-HU" sz="2800" u="sng" dirty="0"/>
+              <a:t>Hártó Vince: </a:t>
+            </a:r>
+            <a:r>
+              <a:rPr lang="hu-HU" sz="2800" dirty="0"/>
+              <a:t>az elvárásokhoz képest(szabadon választott játék elkészítése, lehet logika, ügyességi, táblás stb., winforms alkalmazás legyen) szerintem teljes mértékben megfeleltem, legközelebb fordíthatnék több időt az említett fejlesztések megvalósítására és egy részletesebb dokumentációra.</a:t>
+            </a:r>
+          </a:p>
+        </p:txBody>
+      </p:sp>
+    </p:spTree>
+    <p:extLst>
+      <p:ext uri="{BB962C8B-B14F-4D97-AF65-F5344CB8AC3E}">
+        <p14:creationId xmlns:p14="http://schemas.microsoft.com/office/powerpoint/2010/main" val="237889270"/>
+      </p:ext>
+    </p:extLst>
+  </p:cSld>
+  <p:clrMapOvr>
+    <a:masterClrMapping/>
+  </p:clrMapOvr>
+</p:sld>
+</file>
+
+<file path=ppt/slides/slide14.xml><?xml version="1.0" encoding="utf-8"?>
+<p:sld xmlns:a="http://schemas.openxmlformats.org/drawingml/2006/main" xmlns:r="http://schemas.openxmlformats.org/officeDocument/2006/relationships" xmlns:p="http://schemas.openxmlformats.org/presentationml/2006/main">
+  <p:cSld>
+    <p:spTree>
+      <p:nvGrpSpPr>
+        <p:cNvPr id="1" name=""/>
+        <p:cNvGrpSpPr/>
+        <p:nvPr/>
+      </p:nvGrpSpPr>
+      <p:grpSpPr>
+        <a:xfrm>
+          <a:off x="0" y="0"/>
+          <a:ext cx="0" cy="0"/>
+          <a:chOff x="0" y="0"/>
+          <a:chExt cx="0" cy="0"/>
+        </a:xfrm>
+      </p:grpSpPr>
+      <p:sp>
+        <p:nvSpPr>
+          <p:cNvPr id="2" name="Cím 1">
+            <a:extLst>
+              <a:ext uri="{FF2B5EF4-FFF2-40B4-BE49-F238E27FC236}">
+                <a16:creationId xmlns:a16="http://schemas.microsoft.com/office/drawing/2014/main" id="{08DA992C-26A9-4B33-203F-1D4DDEBC5744}"/>
+              </a:ext>
+            </a:extLst>
+          </p:cNvPr>
+          <p:cNvSpPr>
+            <a:spLocks noGrp="1"/>
+          </p:cNvSpPr>
+          <p:nvPr>
+            <p:ph type="title"/>
+          </p:nvPr>
+        </p:nvSpPr>
+        <p:spPr/>
+        <p:txBody>
+          <a:bodyPr/>
+          <a:lstStyle/>
+          <a:p>
+            <a:r>
+              <a:rPr lang="hu-HU" dirty="0"/>
+              <a:t>Önértékelés</a:t>
+            </a:r>
+          </a:p>
+        </p:txBody>
+      </p:sp>
+      <p:sp>
+        <p:nvSpPr>
+          <p:cNvPr id="3" name="Tartalom helye 2">
+            <a:extLst>
+              <a:ext uri="{FF2B5EF4-FFF2-40B4-BE49-F238E27FC236}">
+                <a16:creationId xmlns:a16="http://schemas.microsoft.com/office/drawing/2014/main" id="{B43753FA-8354-A9F2-DD92-C74F6AF3D840}"/>
+              </a:ext>
+            </a:extLst>
+          </p:cNvPr>
+          <p:cNvSpPr>
+            <a:spLocks noGrp="1"/>
+          </p:cNvSpPr>
+          <p:nvPr>
+            <p:ph idx="1"/>
+          </p:nvPr>
+        </p:nvSpPr>
+        <p:spPr>
+          <a:xfrm>
+            <a:off x="685800" y="2194560"/>
+            <a:ext cx="5826369" cy="4024125"/>
+          </a:xfrm>
+        </p:spPr>
+        <p:txBody>
+          <a:bodyPr/>
+          <a:lstStyle/>
+          <a:p>
+            <a:r>
+              <a:rPr lang="hu-HU" sz="2400" u="sng" dirty="0"/>
+              <a:t>Szabó József Barnabás:</a:t>
+            </a:r>
+            <a:r>
+              <a:rPr lang="hu-HU" sz="2400" dirty="0"/>
+              <a:t> az elvárásokat(szabadon választott játék elkészítése, lehet logika, ügyességi, táblás stb., winforms alkalmazás legyen) sikerült teljesítenem. </a:t>
+            </a:r>
+          </a:p>
+          <a:p>
+            <a:r>
+              <a:rPr lang="hu-HU" sz="2400" dirty="0"/>
+              <a:t>Legközelebb fordíthatnék több időt az extra kiegészítő pontokra.</a:t>
+            </a:r>
+          </a:p>
+        </p:txBody>
+      </p:sp>
+    </p:spTree>
+    <p:extLst>
+      <p:ext uri="{BB962C8B-B14F-4D97-AF65-F5344CB8AC3E}">
+        <p14:creationId xmlns:p14="http://schemas.microsoft.com/office/powerpoint/2010/main" val="2549961813"/>
+      </p:ext>
+    </p:extLst>
+  </p:cSld>
+  <p:clrMapOvr>
+    <a:masterClrMapping/>
+  </p:clrMapOvr>
+</p:sld>
+</file>
+
+<file path=ppt/slides/slide15.xml><?xml version="1.0" encoding="utf-8"?>
+<p:sld xmlns:a="http://schemas.openxmlformats.org/drawingml/2006/main" xmlns:r="http://schemas.openxmlformats.org/officeDocument/2006/relationships" xmlns:p="http://schemas.openxmlformats.org/presentationml/2006/main">
+  <p:cSld>
+    <p:spTree>
+      <p:nvGrpSpPr>
+        <p:cNvPr id="1" name=""/>
+        <p:cNvGrpSpPr/>
+        <p:nvPr/>
+      </p:nvGrpSpPr>
+      <p:grpSpPr>
+        <a:xfrm>
+          <a:off x="0" y="0"/>
+          <a:ext cx="0" cy="0"/>
+          <a:chOff x="0" y="0"/>
+          <a:chExt cx="0" cy="0"/>
+        </a:xfrm>
+      </p:grpSpPr>
+      <p:sp>
+        <p:nvSpPr>
+          <p:cNvPr id="3" name="Tartalom helye 2">
+            <a:extLst>
+              <a:ext uri="{FF2B5EF4-FFF2-40B4-BE49-F238E27FC236}">
+                <a16:creationId xmlns:a16="http://schemas.microsoft.com/office/drawing/2014/main" id="{FBC7BD00-75BF-C9C4-9F7A-01E3150490D2}"/>
+              </a:ext>
+            </a:extLst>
+          </p:cNvPr>
+          <p:cNvSpPr>
+            <a:spLocks noGrp="1"/>
+          </p:cNvSpPr>
+          <p:nvPr>
+            <p:ph idx="1"/>
+          </p:nvPr>
+        </p:nvSpPr>
+        <p:spPr>
+          <a:xfrm>
+            <a:off x="1940170" y="3188676"/>
+            <a:ext cx="8974015" cy="4115944"/>
+          </a:xfrm>
+        </p:spPr>
+        <p:txBody>
+          <a:bodyPr>
+            <a:normAutofit/>
+          </a:bodyPr>
+          <a:lstStyle/>
+          <a:p>
+            <a:pPr marL="0" indent="0">
+              <a:buNone/>
+            </a:pPr>
+            <a:r>
+              <a:rPr lang="hu-HU" sz="6000" dirty="0"/>
+              <a:t>Köszönjük a figyelmet!</a:t>
+            </a:r>
+          </a:p>
+        </p:txBody>
+      </p:sp>
+    </p:spTree>
+    <p:extLst>
+      <p:ext uri="{BB962C8B-B14F-4D97-AF65-F5344CB8AC3E}">
+        <p14:creationId xmlns:p14="http://schemas.microsoft.com/office/powerpoint/2010/main" val="3617626126"/>
+      </p:ext>
+    </p:extLst>
+  </p:cSld>
+  <p:clrMapOvr>
+    <a:masterClrMapping/>
+  </p:clrMapOvr>
+</p:sld>
+</file>
+
 <file path=ppt/slides/slide2.xml><?xml version="1.0" encoding="utf-8"?>
 <p:sld xmlns:a="http://schemas.openxmlformats.org/drawingml/2006/main" xmlns:r="http://schemas.openxmlformats.org/officeDocument/2006/relationships" xmlns:p="http://schemas.openxmlformats.org/presentationml/2006/main">
   <p:cSld>
@@ -5807,13 +6407,8 @@
           <a:p>
             <a:r>
               <a:rPr lang="hu-HU" sz="3200" dirty="0"/>
-              <a:t>Az volt a feladat, hogy készítsünk egy szabadon választható játékot C# </a:t>
-            </a:r>
-            <a:r>
-              <a:rPr lang="hu-HU" sz="3200" dirty="0" err="1"/>
-              <a:t>WinFormsban</a:t>
-            </a:r>
-            <a:endParaRPr lang="hu-HU" sz="3200" dirty="0"/>
+              <a:t>Az volt a feladat, hogy készítsünk egy szabadon választható játékot C# WinFormsban</a:t>
+            </a:r>
           </a:p>
           <a:p>
             <a:pPr marL="0" indent="0">
@@ -5974,7 +6569,7 @@
         </p:blipFill>
         <p:spPr>
           <a:xfrm>
-            <a:off x="8674217" y="2928628"/>
+            <a:off x="8680079" y="2194560"/>
             <a:ext cx="2696507" cy="3427216"/>
           </a:xfrm>
           <a:prstGeom prst="rect">
@@ -6056,7 +6651,12 @@
             <p:ph idx="1"/>
           </p:nvPr>
         </p:nvSpPr>
-        <p:spPr/>
+        <p:spPr>
+          <a:xfrm>
+            <a:off x="685800" y="2194560"/>
+            <a:ext cx="8083062" cy="4024125"/>
+          </a:xfrm>
+        </p:spPr>
         <p:txBody>
           <a:bodyPr/>
           <a:lstStyle/>
@@ -6077,19 +6677,21 @@
             <a:pPr lvl="1"/>
             <a:r>
               <a:rPr lang="hu-HU" sz="2800" dirty="0"/>
-              <a:t>Sorban, oszlopban és átlóban a nyertes </a:t>
-            </a:r>
-            <a:r>
-              <a:rPr lang="hu-HU" sz="2800" dirty="0" err="1"/>
-              <a:t>ellenörzése</a:t>
-            </a:r>
-            <a:endParaRPr lang="hu-HU" sz="2800" dirty="0"/>
+              <a:t>Sorban, oszlopban és átlóban a nyertes ellenőrzése</a:t>
+            </a:r>
           </a:p>
           <a:p>
             <a:pPr lvl="1"/>
             <a:r>
               <a:rPr lang="hu-HU" sz="2800" dirty="0"/>
               <a:t>Az X-ek és O-k letétele</a:t>
+            </a:r>
+          </a:p>
+          <a:p>
+            <a:pPr lvl="1"/>
+            <a:r>
+              <a:rPr lang="hu-HU" sz="2800" dirty="0"/>
+              <a:t>Új játék gomb</a:t>
             </a:r>
           </a:p>
           <a:p>
@@ -6124,7 +6726,7 @@
         </p:blipFill>
         <p:spPr>
           <a:xfrm>
-            <a:off x="8865873" y="3556932"/>
+            <a:off x="8988965" y="2194560"/>
             <a:ext cx="2454516" cy="3154966"/>
           </a:xfrm>
           <a:prstGeom prst="rect">
@@ -6513,27 +7115,33 @@
         </p:nvSpPr>
         <p:spPr/>
         <p:txBody>
-          <a:bodyPr/>
-          <a:lstStyle/>
-          <a:p>
-            <a:r>
-              <a:rPr lang="hu-HU" dirty="0"/>
+          <a:bodyPr>
+            <a:normAutofit/>
+          </a:bodyPr>
+          <a:lstStyle/>
+          <a:p>
+            <a:r>
+              <a:rPr lang="hu-HU" sz="2400" dirty="0"/>
               <a:t>Hártó Vince:</a:t>
             </a:r>
           </a:p>
           <a:p>
             <a:pPr lvl="1"/>
             <a:r>
-              <a:rPr lang="hu-HU" dirty="0"/>
+              <a:rPr lang="hu-HU" sz="2400" dirty="0"/>
               <a:t>Az elején átlagnál többet kellett gondolkodom azon, hogy miként nézzen ki a játéknak a kezelőfelülete. </a:t>
             </a:r>
           </a:p>
           <a:p>
             <a:pPr lvl="1"/>
             <a:r>
-              <a:rPr lang="hu-HU" dirty="0"/>
+              <a:rPr lang="hu-HU" sz="2400" dirty="0"/>
               <a:t>Miután megvolt az elképzelés megvalósítás közben is akadályokba ütköztek, de rövid időn belül meglett a megoldás.</a:t>
             </a:r>
+          </a:p>
+          <a:p>
+            <a:pPr lvl="1"/>
+            <a:endParaRPr lang="hu-HU" sz="2400" dirty="0"/>
           </a:p>
         </p:txBody>
       </p:sp>
@@ -6541,6 +7149,210 @@
     <p:extLst>
       <p:ext uri="{BB962C8B-B14F-4D97-AF65-F5344CB8AC3E}">
         <p14:creationId xmlns:p14="http://schemas.microsoft.com/office/powerpoint/2010/main" val="1948513759"/>
+      </p:ext>
+    </p:extLst>
+  </p:cSld>
+  <p:clrMapOvr>
+    <a:masterClrMapping/>
+  </p:clrMapOvr>
+</p:sld>
+</file>
+
+<file path=ppt/slides/slide8.xml><?xml version="1.0" encoding="utf-8"?>
+<p:sld xmlns:a="http://schemas.openxmlformats.org/drawingml/2006/main" xmlns:r="http://schemas.openxmlformats.org/officeDocument/2006/relationships" xmlns:p="http://schemas.openxmlformats.org/presentationml/2006/main">
+  <p:cSld>
+    <p:spTree>
+      <p:nvGrpSpPr>
+        <p:cNvPr id="1" name=""/>
+        <p:cNvGrpSpPr/>
+        <p:nvPr/>
+      </p:nvGrpSpPr>
+      <p:grpSpPr>
+        <a:xfrm>
+          <a:off x="0" y="0"/>
+          <a:ext cx="0" cy="0"/>
+          <a:chOff x="0" y="0"/>
+          <a:chExt cx="0" cy="0"/>
+        </a:xfrm>
+      </p:grpSpPr>
+      <p:sp>
+        <p:nvSpPr>
+          <p:cNvPr id="2" name="Cím 1">
+            <a:extLst>
+              <a:ext uri="{FF2B5EF4-FFF2-40B4-BE49-F238E27FC236}">
+                <a16:creationId xmlns:a16="http://schemas.microsoft.com/office/drawing/2014/main" id="{2AD2638D-77A1-4C7E-A05C-DDF77E89D4B7}"/>
+              </a:ext>
+            </a:extLst>
+          </p:cNvPr>
+          <p:cNvSpPr>
+            <a:spLocks noGrp="1"/>
+          </p:cNvSpPr>
+          <p:nvPr>
+            <p:ph type="title"/>
+          </p:nvPr>
+        </p:nvSpPr>
+        <p:spPr/>
+        <p:txBody>
+          <a:bodyPr/>
+          <a:lstStyle/>
+          <a:p>
+            <a:r>
+              <a:rPr lang="hu-HU" dirty="0"/>
+              <a:t>Nehézségek</a:t>
+            </a:r>
+          </a:p>
+        </p:txBody>
+      </p:sp>
+      <p:sp>
+        <p:nvSpPr>
+          <p:cNvPr id="3" name="Tartalom helye 2">
+            <a:extLst>
+              <a:ext uri="{FF2B5EF4-FFF2-40B4-BE49-F238E27FC236}">
+                <a16:creationId xmlns:a16="http://schemas.microsoft.com/office/drawing/2014/main" id="{83A68156-46CF-771C-0E41-90B3A8840057}"/>
+              </a:ext>
+            </a:extLst>
+          </p:cNvPr>
+          <p:cNvSpPr>
+            <a:spLocks noGrp="1"/>
+          </p:cNvSpPr>
+          <p:nvPr>
+            <p:ph idx="1"/>
+          </p:nvPr>
+        </p:nvSpPr>
+        <p:spPr/>
+        <p:txBody>
+          <a:bodyPr>
+            <a:normAutofit/>
+          </a:bodyPr>
+          <a:lstStyle/>
+          <a:p>
+            <a:r>
+              <a:rPr lang="hu-HU" sz="2800" dirty="0"/>
+              <a:t>Szabó József Barnabás: </a:t>
+            </a:r>
+          </a:p>
+          <a:p>
+            <a:pPr lvl="1"/>
+            <a:r>
+              <a:rPr lang="hu-HU" sz="2600" dirty="0"/>
+              <a:t>Az átlóban való nyertes ellenőrzés, főleg a nagyobb méretű pályáknál, mivel általánosan kell megoldani az ellenőrzést</a:t>
+            </a:r>
+          </a:p>
+          <a:p>
+            <a:pPr lvl="1"/>
+            <a:r>
+              <a:rPr lang="hu-HU" sz="2600" dirty="0"/>
+              <a:t> Új játék gomb üzembe helyezése, játék tér tisztítása</a:t>
+            </a:r>
+          </a:p>
+        </p:txBody>
+      </p:sp>
+    </p:spTree>
+    <p:extLst>
+      <p:ext uri="{BB962C8B-B14F-4D97-AF65-F5344CB8AC3E}">
+        <p14:creationId xmlns:p14="http://schemas.microsoft.com/office/powerpoint/2010/main" val="2481327419"/>
+      </p:ext>
+    </p:extLst>
+  </p:cSld>
+  <p:clrMapOvr>
+    <a:masterClrMapping/>
+  </p:clrMapOvr>
+</p:sld>
+</file>
+
+<file path=ppt/slides/slide9.xml><?xml version="1.0" encoding="utf-8"?>
+<p:sld xmlns:a="http://schemas.openxmlformats.org/drawingml/2006/main" xmlns:r="http://schemas.openxmlformats.org/officeDocument/2006/relationships" xmlns:p="http://schemas.openxmlformats.org/presentationml/2006/main">
+  <p:cSld>
+    <p:spTree>
+      <p:nvGrpSpPr>
+        <p:cNvPr id="1" name=""/>
+        <p:cNvGrpSpPr/>
+        <p:nvPr/>
+      </p:nvGrpSpPr>
+      <p:grpSpPr>
+        <a:xfrm>
+          <a:off x="0" y="0"/>
+          <a:ext cx="0" cy="0"/>
+          <a:chOff x="0" y="0"/>
+          <a:chExt cx="0" cy="0"/>
+        </a:xfrm>
+      </p:grpSpPr>
+      <p:sp>
+        <p:nvSpPr>
+          <p:cNvPr id="2" name="Cím 1">
+            <a:extLst>
+              <a:ext uri="{FF2B5EF4-FFF2-40B4-BE49-F238E27FC236}">
+                <a16:creationId xmlns:a16="http://schemas.microsoft.com/office/drawing/2014/main" id="{37E728F0-B220-EE7A-EE1B-12B9F8B285A0}"/>
+              </a:ext>
+            </a:extLst>
+          </p:cNvPr>
+          <p:cNvSpPr>
+            <a:spLocks noGrp="1"/>
+          </p:cNvSpPr>
+          <p:nvPr>
+            <p:ph type="title"/>
+          </p:nvPr>
+        </p:nvSpPr>
+        <p:spPr/>
+        <p:txBody>
+          <a:bodyPr/>
+          <a:lstStyle/>
+          <a:p>
+            <a:r>
+              <a:rPr lang="hu-HU" dirty="0"/>
+              <a:t>Miben fejlődtem</a:t>
+            </a:r>
+          </a:p>
+        </p:txBody>
+      </p:sp>
+      <p:sp>
+        <p:nvSpPr>
+          <p:cNvPr id="3" name="Tartalom helye 2">
+            <a:extLst>
+              <a:ext uri="{FF2B5EF4-FFF2-40B4-BE49-F238E27FC236}">
+                <a16:creationId xmlns:a16="http://schemas.microsoft.com/office/drawing/2014/main" id="{834C659D-DC9F-5812-6EFE-19F62EEEF7E2}"/>
+              </a:ext>
+            </a:extLst>
+          </p:cNvPr>
+          <p:cNvSpPr>
+            <a:spLocks noGrp="1"/>
+          </p:cNvSpPr>
+          <p:nvPr>
+            <p:ph idx="1"/>
+          </p:nvPr>
+        </p:nvSpPr>
+        <p:spPr/>
+        <p:txBody>
+          <a:bodyPr>
+            <a:normAutofit/>
+          </a:bodyPr>
+          <a:lstStyle/>
+          <a:p>
+            <a:r>
+              <a:rPr lang="hu-HU" sz="4000" dirty="0"/>
+              <a:t>Hártó Vince: </a:t>
+            </a:r>
+          </a:p>
+          <a:p>
+            <a:pPr lvl="2"/>
+            <a:r>
+              <a:rPr lang="hu-HU" sz="3600" dirty="0"/>
+              <a:t>Csapatmunka</a:t>
+            </a:r>
+          </a:p>
+          <a:p>
+            <a:pPr lvl="2"/>
+            <a:r>
+              <a:rPr lang="hu-HU" sz="3600" dirty="0"/>
+              <a:t>Weblapdizájn</a:t>
+            </a:r>
+          </a:p>
+        </p:txBody>
+      </p:sp>
+    </p:spTree>
+    <p:extLst>
+      <p:ext uri="{BB962C8B-B14F-4D97-AF65-F5344CB8AC3E}">
+        <p14:creationId xmlns:p14="http://schemas.microsoft.com/office/powerpoint/2010/main" val="3198862646"/>
       </p:ext>
     </p:extLst>
   </p:cSld>
